--- a/느티 회의록/교육 PPT 내용/커리큘럼 수정1.pptx
+++ b/느티 회의록/교육 PPT 내용/커리큘럼 수정1.pptx
@@ -281,7 +281,7 @@
           <a:p>
             <a:fld id="{5F44585C-BDFD-416D-911A-80EC318E15E8}" type="datetimeFigureOut">
               <a:rPr lang="ko-KR" altLang="en-US" smtClean="0"/>
-              <a:t>2023-01-13</a:t>
+              <a:t>2023-01-16</a:t>
             </a:fld>
             <a:endParaRPr lang="ko-KR" altLang="en-US"/>
           </a:p>
@@ -479,7 +479,7 @@
           <a:p>
             <a:fld id="{5F44585C-BDFD-416D-911A-80EC318E15E8}" type="datetimeFigureOut">
               <a:rPr lang="ko-KR" altLang="en-US" smtClean="0"/>
-              <a:t>2023-01-13</a:t>
+              <a:t>2023-01-16</a:t>
             </a:fld>
             <a:endParaRPr lang="ko-KR" altLang="en-US"/>
           </a:p>
@@ -687,7 +687,7 @@
           <a:p>
             <a:fld id="{5F44585C-BDFD-416D-911A-80EC318E15E8}" type="datetimeFigureOut">
               <a:rPr lang="ko-KR" altLang="en-US" smtClean="0"/>
-              <a:t>2023-01-13</a:t>
+              <a:t>2023-01-16</a:t>
             </a:fld>
             <a:endParaRPr lang="ko-KR" altLang="en-US"/>
           </a:p>
@@ -885,7 +885,7 @@
           <a:p>
             <a:fld id="{5F44585C-BDFD-416D-911A-80EC318E15E8}" type="datetimeFigureOut">
               <a:rPr lang="ko-KR" altLang="en-US" smtClean="0"/>
-              <a:t>2023-01-13</a:t>
+              <a:t>2023-01-16</a:t>
             </a:fld>
             <a:endParaRPr lang="ko-KR" altLang="en-US"/>
           </a:p>
@@ -1160,7 +1160,7 @@
           <a:p>
             <a:fld id="{5F44585C-BDFD-416D-911A-80EC318E15E8}" type="datetimeFigureOut">
               <a:rPr lang="ko-KR" altLang="en-US" smtClean="0"/>
-              <a:t>2023-01-13</a:t>
+              <a:t>2023-01-16</a:t>
             </a:fld>
             <a:endParaRPr lang="ko-KR" altLang="en-US"/>
           </a:p>
@@ -1425,7 +1425,7 @@
           <a:p>
             <a:fld id="{5F44585C-BDFD-416D-911A-80EC318E15E8}" type="datetimeFigureOut">
               <a:rPr lang="ko-KR" altLang="en-US" smtClean="0"/>
-              <a:t>2023-01-13</a:t>
+              <a:t>2023-01-16</a:t>
             </a:fld>
             <a:endParaRPr lang="ko-KR" altLang="en-US"/>
           </a:p>
@@ -1837,7 +1837,7 @@
           <a:p>
             <a:fld id="{5F44585C-BDFD-416D-911A-80EC318E15E8}" type="datetimeFigureOut">
               <a:rPr lang="ko-KR" altLang="en-US" smtClean="0"/>
-              <a:t>2023-01-13</a:t>
+              <a:t>2023-01-16</a:t>
             </a:fld>
             <a:endParaRPr lang="ko-KR" altLang="en-US"/>
           </a:p>
@@ -1978,7 +1978,7 @@
           <a:p>
             <a:fld id="{5F44585C-BDFD-416D-911A-80EC318E15E8}" type="datetimeFigureOut">
               <a:rPr lang="ko-KR" altLang="en-US" smtClean="0"/>
-              <a:t>2023-01-13</a:t>
+              <a:t>2023-01-16</a:t>
             </a:fld>
             <a:endParaRPr lang="ko-KR" altLang="en-US"/>
           </a:p>
@@ -2091,7 +2091,7 @@
           <a:p>
             <a:fld id="{5F44585C-BDFD-416D-911A-80EC318E15E8}" type="datetimeFigureOut">
               <a:rPr lang="ko-KR" altLang="en-US" smtClean="0"/>
-              <a:t>2023-01-13</a:t>
+              <a:t>2023-01-16</a:t>
             </a:fld>
             <a:endParaRPr lang="ko-KR" altLang="en-US"/>
           </a:p>
@@ -2402,7 +2402,7 @@
           <a:p>
             <a:fld id="{5F44585C-BDFD-416D-911A-80EC318E15E8}" type="datetimeFigureOut">
               <a:rPr lang="ko-KR" altLang="en-US" smtClean="0"/>
-              <a:t>2023-01-13</a:t>
+              <a:t>2023-01-16</a:t>
             </a:fld>
             <a:endParaRPr lang="ko-KR" altLang="en-US"/>
           </a:p>
@@ -2690,7 +2690,7 @@
           <a:p>
             <a:fld id="{5F44585C-BDFD-416D-911A-80EC318E15E8}" type="datetimeFigureOut">
               <a:rPr lang="ko-KR" altLang="en-US" smtClean="0"/>
-              <a:t>2023-01-13</a:t>
+              <a:t>2023-01-16</a:t>
             </a:fld>
             <a:endParaRPr lang="ko-KR" altLang="en-US"/>
           </a:p>
@@ -2931,7 +2931,7 @@
           <a:p>
             <a:fld id="{5F44585C-BDFD-416D-911A-80EC318E15E8}" type="datetimeFigureOut">
               <a:rPr lang="ko-KR" altLang="en-US" smtClean="0"/>
-              <a:t>2023-01-13</a:t>
+              <a:t>2023-01-16</a:t>
             </a:fld>
             <a:endParaRPr lang="ko-KR" altLang="en-US"/>
           </a:p>
@@ -8357,6 +8357,10 @@
               <a:rPr lang="ko-KR" altLang="en-US" sz="1000" dirty="0"/>
               <a:t>어떤 것이 더 좋은 방법일까? </a:t>
             </a:r>
+            <a:r>
+              <a:rPr lang="en-US" altLang="ko-KR" sz="1000" dirty="0"/>
+              <a:t/>
+            </a:r>
             <a:br>
               <a:rPr lang="en-US" altLang="ko-KR" sz="1000" dirty="0"/>
             </a:br>
